--- a/Хакатон 2020.pptx
+++ b/Хакатон 2020.pptx
@@ -8498,6 +8498,10 @@
           <a:lstStyle/>
           <a:p>
             <a:r>
+              <a:rPr lang="ru-RU" dirty="0" smtClean="0"/>
+              <a:t>Язык программирования </a:t>
+            </a:r>
+            <a:r>
               <a:rPr lang="en-US" dirty="0" smtClean="0"/>
               <a:t>Python</a:t>
             </a:r>
@@ -8811,7 +8815,12 @@
             <p:ph idx="1"/>
           </p:nvPr>
         </p:nvSpPr>
-        <p:spPr/>
+        <p:spPr>
+          <a:xfrm>
+            <a:off x="1104293" y="1683641"/>
+            <a:ext cx="8946541" cy="4195481"/>
+          </a:xfrm>
+        </p:spPr>
         <p:txBody>
           <a:bodyPr/>
           <a:lstStyle/>
